--- a/Сосотояния баз.pptx
+++ b/Сосотояния баз.pptx
@@ -8,6 +8,7 @@
     <p:sldId id="256" r:id="rId2"/>
     <p:sldId id="257" r:id="rId3"/>
     <p:sldId id="258" r:id="rId4"/>
+    <p:sldId id="259" r:id="rId5"/>
   </p:sldIdLst>
   <p:sldSz cx="12192000" cy="6858000"/>
   <p:notesSz cx="6858000" cy="9144000"/>
@@ -106,6 +107,11 @@
       </a:defRPr>
     </a:lvl9pPr>
   </p:defaultTextStyle>
+  <p:extLst>
+    <p:ext uri="{EFAFB233-063F-42B5-8137-9DF3F51BA10A}">
+      <p15:sldGuideLst xmlns:p15="http://schemas.microsoft.com/office/powerpoint/2012/main"/>
+    </p:ext>
+  </p:extLst>
 </p:presentation>
 </file>
 
@@ -240,7 +246,7 @@
           <a:p>
             <a:fld id="{7F912D2B-B877-4790-8B3E-99A70D96905A}" type="datetimeFigureOut">
               <a:rPr lang="ru-RU" smtClean="0"/>
-              <a:t>29.06.2018</a:t>
+              <a:t>03.07.2018</a:t>
             </a:fld>
             <a:endParaRPr lang="ru-RU"/>
           </a:p>
@@ -410,7 +416,7 @@
           <a:p>
             <a:fld id="{7F912D2B-B877-4790-8B3E-99A70D96905A}" type="datetimeFigureOut">
               <a:rPr lang="ru-RU" smtClean="0"/>
-              <a:t>29.06.2018</a:t>
+              <a:t>03.07.2018</a:t>
             </a:fld>
             <a:endParaRPr lang="ru-RU"/>
           </a:p>
@@ -590,7 +596,7 @@
           <a:p>
             <a:fld id="{7F912D2B-B877-4790-8B3E-99A70D96905A}" type="datetimeFigureOut">
               <a:rPr lang="ru-RU" smtClean="0"/>
-              <a:t>29.06.2018</a:t>
+              <a:t>03.07.2018</a:t>
             </a:fld>
             <a:endParaRPr lang="ru-RU"/>
           </a:p>
@@ -760,7 +766,7 @@
           <a:p>
             <a:fld id="{7F912D2B-B877-4790-8B3E-99A70D96905A}" type="datetimeFigureOut">
               <a:rPr lang="ru-RU" smtClean="0"/>
-              <a:t>29.06.2018</a:t>
+              <a:t>03.07.2018</a:t>
             </a:fld>
             <a:endParaRPr lang="ru-RU"/>
           </a:p>
@@ -1006,7 +1012,7 @@
           <a:p>
             <a:fld id="{7F912D2B-B877-4790-8B3E-99A70D96905A}" type="datetimeFigureOut">
               <a:rPr lang="ru-RU" smtClean="0"/>
-              <a:t>29.06.2018</a:t>
+              <a:t>03.07.2018</a:t>
             </a:fld>
             <a:endParaRPr lang="ru-RU"/>
           </a:p>
@@ -1238,7 +1244,7 @@
           <a:p>
             <a:fld id="{7F912D2B-B877-4790-8B3E-99A70D96905A}" type="datetimeFigureOut">
               <a:rPr lang="ru-RU" smtClean="0"/>
-              <a:t>29.06.2018</a:t>
+              <a:t>03.07.2018</a:t>
             </a:fld>
             <a:endParaRPr lang="ru-RU"/>
           </a:p>
@@ -1605,7 +1611,7 @@
           <a:p>
             <a:fld id="{7F912D2B-B877-4790-8B3E-99A70D96905A}" type="datetimeFigureOut">
               <a:rPr lang="ru-RU" smtClean="0"/>
-              <a:t>29.06.2018</a:t>
+              <a:t>03.07.2018</a:t>
             </a:fld>
             <a:endParaRPr lang="ru-RU"/>
           </a:p>
@@ -1723,7 +1729,7 @@
           <a:p>
             <a:fld id="{7F912D2B-B877-4790-8B3E-99A70D96905A}" type="datetimeFigureOut">
               <a:rPr lang="ru-RU" smtClean="0"/>
-              <a:t>29.06.2018</a:t>
+              <a:t>03.07.2018</a:t>
             </a:fld>
             <a:endParaRPr lang="ru-RU"/>
           </a:p>
@@ -1818,7 +1824,7 @@
           <a:p>
             <a:fld id="{7F912D2B-B877-4790-8B3E-99A70D96905A}" type="datetimeFigureOut">
               <a:rPr lang="ru-RU" smtClean="0"/>
-              <a:t>29.06.2018</a:t>
+              <a:t>03.07.2018</a:t>
             </a:fld>
             <a:endParaRPr lang="ru-RU"/>
           </a:p>
@@ -2095,7 +2101,7 @@
           <a:p>
             <a:fld id="{7F912D2B-B877-4790-8B3E-99A70D96905A}" type="datetimeFigureOut">
               <a:rPr lang="ru-RU" smtClean="0"/>
-              <a:t>29.06.2018</a:t>
+              <a:t>03.07.2018</a:t>
             </a:fld>
             <a:endParaRPr lang="ru-RU"/>
           </a:p>
@@ -2348,7 +2354,7 @@
           <a:p>
             <a:fld id="{7F912D2B-B877-4790-8B3E-99A70D96905A}" type="datetimeFigureOut">
               <a:rPr lang="ru-RU" smtClean="0"/>
-              <a:t>29.06.2018</a:t>
+              <a:t>03.07.2018</a:t>
             </a:fld>
             <a:endParaRPr lang="ru-RU"/>
           </a:p>
@@ -2561,7 +2567,7 @@
           <a:p>
             <a:fld id="{7F912D2B-B877-4790-8B3E-99A70D96905A}" type="datetimeFigureOut">
               <a:rPr lang="ru-RU" smtClean="0"/>
-              <a:t>29.06.2018</a:t>
+              <a:t>03.07.2018</a:t>
             </a:fld>
             <a:endParaRPr lang="ru-RU"/>
           </a:p>
@@ -3052,7 +3058,598 @@
             <p:ph idx="1"/>
             <p:extLst>
               <p:ext uri="{D42A27DB-BD31-4B8C-83A1-F6EECF244321}">
-                <p14:modId xmlns:p14="http://schemas.microsoft.com/office/powerpoint/2010/main" val="1238318372"/>
+                <p14:modId xmlns:p14="http://schemas.microsoft.com/office/powerpoint/2010/main" val="1652658399"/>
+              </p:ext>
+            </p:extLst>
+          </p:nvPr>
+        </p:nvGraphicFramePr>
+        <p:xfrm>
+          <a:off x="838200" y="1825623"/>
+          <a:ext cx="10515600" cy="4636722"/>
+        </p:xfrm>
+        <a:graphic>
+          <a:graphicData uri="http://schemas.openxmlformats.org/drawingml/2006/table">
+            <a:tbl>
+              <a:tblPr firstRow="1" bandRow="1">
+                <a:tableStyleId>{2D5ABB26-0587-4C30-8999-92F81FD0307C}</a:tableStyleId>
+              </a:tblPr>
+              <a:tblGrid>
+                <a:gridCol w="3505200">
+                  <a:extLst>
+                    <a:ext uri="{9D8B030D-6E8A-4147-A177-3AD203B41FA5}">
+                      <a16:colId xmlns:a16="http://schemas.microsoft.com/office/drawing/2014/main" val="1937177080"/>
+                    </a:ext>
+                  </a:extLst>
+                </a:gridCol>
+                <a:gridCol w="3326187">
+                  <a:extLst>
+                    <a:ext uri="{9D8B030D-6E8A-4147-A177-3AD203B41FA5}">
+                      <a16:colId xmlns:a16="http://schemas.microsoft.com/office/drawing/2014/main" val="621458388"/>
+                    </a:ext>
+                  </a:extLst>
+                </a:gridCol>
+                <a:gridCol w="3684213">
+                  <a:extLst>
+                    <a:ext uri="{9D8B030D-6E8A-4147-A177-3AD203B41FA5}">
+                      <a16:colId xmlns:a16="http://schemas.microsoft.com/office/drawing/2014/main" val="3208544658"/>
+                    </a:ext>
+                  </a:extLst>
+                </a:gridCol>
+              </a:tblGrid>
+              <a:tr h="2318361">
+                <a:tc>
+                  <a:txBody>
+                    <a:bodyPr/>
+                    <a:lstStyle/>
+                    <a:p>
+                      <a:pPr algn="ctr"/>
+                      <a:r>
+                        <a:rPr lang="ru-RU" dirty="0" smtClean="0"/>
+                        <a:t>Среда разработки</a:t>
+                      </a:r>
+                      <a:endParaRPr lang="ru-RU" dirty="0"/>
+                    </a:p>
+                  </a:txBody>
+                  <a:tcPr anchor="ctr">
+                    <a:lnL w="12700" cap="flat" cmpd="sng" algn="ctr">
+                      <a:solidFill>
+                        <a:schemeClr val="tx1"/>
+                      </a:solidFill>
+                      <a:prstDash val="solid"/>
+                      <a:round/>
+                      <a:headEnd type="none" w="med" len="med"/>
+                      <a:tailEnd type="none" w="med" len="med"/>
+                    </a:lnL>
+                    <a:lnR w="12700" cap="flat" cmpd="sng" algn="ctr">
+                      <a:solidFill>
+                        <a:schemeClr val="tx1"/>
+                      </a:solidFill>
+                      <a:prstDash val="solid"/>
+                      <a:round/>
+                      <a:headEnd type="none" w="med" len="med"/>
+                      <a:tailEnd type="none" w="med" len="med"/>
+                    </a:lnR>
+                    <a:lnT w="12700" cap="flat" cmpd="sng" algn="ctr">
+                      <a:solidFill>
+                        <a:schemeClr val="tx1"/>
+                      </a:solidFill>
+                      <a:prstDash val="solid"/>
+                      <a:round/>
+                      <a:headEnd type="none" w="med" len="med"/>
+                      <a:tailEnd type="none" w="med" len="med"/>
+                    </a:lnT>
+                    <a:lnB w="12700" cap="flat" cmpd="sng" algn="ctr">
+                      <a:solidFill>
+                        <a:schemeClr val="tx1"/>
+                      </a:solidFill>
+                      <a:prstDash val="solid"/>
+                      <a:round/>
+                      <a:headEnd type="none" w="med" len="med"/>
+                      <a:tailEnd type="none" w="med" len="med"/>
+                    </a:lnB>
+                  </a:tcPr>
+                </a:tc>
+                <a:tc>
+                  <a:txBody>
+                    <a:bodyPr/>
+                    <a:lstStyle/>
+                    <a:p>
+                      <a:endParaRPr lang="ru-RU" dirty="0"/>
+                    </a:p>
+                  </a:txBody>
+                  <a:tcPr>
+                    <a:lnL w="12700" cap="flat" cmpd="sng" algn="ctr">
+                      <a:solidFill>
+                        <a:schemeClr val="tx1"/>
+                      </a:solidFill>
+                      <a:prstDash val="solid"/>
+                      <a:round/>
+                      <a:headEnd type="none" w="med" len="med"/>
+                      <a:tailEnd type="none" w="med" len="med"/>
+                    </a:lnL>
+                    <a:lnR w="12700" cap="flat" cmpd="sng" algn="ctr">
+                      <a:solidFill>
+                        <a:schemeClr val="tx1"/>
+                      </a:solidFill>
+                      <a:prstDash val="solid"/>
+                      <a:round/>
+                      <a:headEnd type="none" w="med" len="med"/>
+                      <a:tailEnd type="none" w="med" len="med"/>
+                    </a:lnR>
+                    <a:lnT w="12700" cap="flat" cmpd="sng" algn="ctr">
+                      <a:solidFill>
+                        <a:schemeClr val="tx1"/>
+                      </a:solidFill>
+                      <a:prstDash val="solid"/>
+                      <a:round/>
+                      <a:headEnd type="none" w="med" len="med"/>
+                      <a:tailEnd type="none" w="med" len="med"/>
+                    </a:lnT>
+                    <a:lnB w="12700" cap="flat" cmpd="sng" algn="ctr">
+                      <a:solidFill>
+                        <a:schemeClr val="tx1"/>
+                      </a:solidFill>
+                      <a:prstDash val="solid"/>
+                      <a:round/>
+                      <a:headEnd type="none" w="med" len="med"/>
+                      <a:tailEnd type="none" w="med" len="med"/>
+                    </a:lnB>
+                  </a:tcPr>
+                </a:tc>
+                <a:tc>
+                  <a:txBody>
+                    <a:bodyPr/>
+                    <a:lstStyle/>
+                    <a:p>
+                      <a:endParaRPr lang="ru-RU" dirty="0"/>
+                    </a:p>
+                  </a:txBody>
+                  <a:tcPr>
+                    <a:lnL w="12700" cap="flat" cmpd="sng" algn="ctr">
+                      <a:solidFill>
+                        <a:schemeClr val="tx1"/>
+                      </a:solidFill>
+                      <a:prstDash val="solid"/>
+                      <a:round/>
+                      <a:headEnd type="none" w="med" len="med"/>
+                      <a:tailEnd type="none" w="med" len="med"/>
+                    </a:lnL>
+                    <a:lnR w="12700" cap="flat" cmpd="sng" algn="ctr">
+                      <a:solidFill>
+                        <a:schemeClr val="tx1"/>
+                      </a:solidFill>
+                      <a:prstDash val="solid"/>
+                      <a:round/>
+                      <a:headEnd type="none" w="med" len="med"/>
+                      <a:tailEnd type="none" w="med" len="med"/>
+                    </a:lnR>
+                    <a:lnT w="12700" cap="flat" cmpd="sng" algn="ctr">
+                      <a:solidFill>
+                        <a:schemeClr val="tx1"/>
+                      </a:solidFill>
+                      <a:prstDash val="solid"/>
+                      <a:round/>
+                      <a:headEnd type="none" w="med" len="med"/>
+                      <a:tailEnd type="none" w="med" len="med"/>
+                    </a:lnT>
+                    <a:lnB w="12700" cap="flat" cmpd="sng" algn="ctr">
+                      <a:solidFill>
+                        <a:schemeClr val="tx1"/>
+                      </a:solidFill>
+                      <a:prstDash val="solid"/>
+                      <a:round/>
+                      <a:headEnd type="none" w="med" len="med"/>
+                      <a:tailEnd type="none" w="med" len="med"/>
+                    </a:lnB>
+                  </a:tcPr>
+                </a:tc>
+                <a:extLst>
+                  <a:ext uri="{0D108BD9-81ED-4DB2-BD59-A6C34878D82A}">
+                    <a16:rowId xmlns:a16="http://schemas.microsoft.com/office/drawing/2014/main" val="347102113"/>
+                  </a:ext>
+                </a:extLst>
+              </a:tr>
+              <a:tr h="2318361">
+                <a:tc>
+                  <a:txBody>
+                    <a:bodyPr/>
+                    <a:lstStyle/>
+                    <a:p>
+                      <a:pPr algn="ctr"/>
+                      <a:r>
+                        <a:rPr lang="ru-RU" dirty="0" smtClean="0"/>
+                        <a:t>Среда пользователя</a:t>
+                      </a:r>
+                      <a:endParaRPr lang="ru-RU" dirty="0"/>
+                    </a:p>
+                  </a:txBody>
+                  <a:tcPr anchor="ctr">
+                    <a:lnL w="12700" cap="flat" cmpd="sng" algn="ctr">
+                      <a:solidFill>
+                        <a:schemeClr val="tx1"/>
+                      </a:solidFill>
+                      <a:prstDash val="solid"/>
+                      <a:round/>
+                      <a:headEnd type="none" w="med" len="med"/>
+                      <a:tailEnd type="none" w="med" len="med"/>
+                    </a:lnL>
+                    <a:lnR w="12700" cap="flat" cmpd="sng" algn="ctr">
+                      <a:solidFill>
+                        <a:schemeClr val="tx1"/>
+                      </a:solidFill>
+                      <a:prstDash val="solid"/>
+                      <a:round/>
+                      <a:headEnd type="none" w="med" len="med"/>
+                      <a:tailEnd type="none" w="med" len="med"/>
+                    </a:lnR>
+                    <a:lnT w="12700" cap="flat" cmpd="sng" algn="ctr">
+                      <a:solidFill>
+                        <a:schemeClr val="tx1"/>
+                      </a:solidFill>
+                      <a:prstDash val="solid"/>
+                      <a:round/>
+                      <a:headEnd type="none" w="med" len="med"/>
+                      <a:tailEnd type="none" w="med" len="med"/>
+                    </a:lnT>
+                    <a:lnB w="12700" cap="flat" cmpd="sng" algn="ctr">
+                      <a:solidFill>
+                        <a:schemeClr val="tx1"/>
+                      </a:solidFill>
+                      <a:prstDash val="solid"/>
+                      <a:round/>
+                      <a:headEnd type="none" w="med" len="med"/>
+                      <a:tailEnd type="none" w="med" len="med"/>
+                    </a:lnB>
+                  </a:tcPr>
+                </a:tc>
+                <a:tc>
+                  <a:txBody>
+                    <a:bodyPr/>
+                    <a:lstStyle/>
+                    <a:p>
+                      <a:endParaRPr lang="ru-RU" dirty="0"/>
+                    </a:p>
+                  </a:txBody>
+                  <a:tcPr>
+                    <a:lnL w="12700" cap="flat" cmpd="sng" algn="ctr">
+                      <a:solidFill>
+                        <a:schemeClr val="tx1"/>
+                      </a:solidFill>
+                      <a:prstDash val="solid"/>
+                      <a:round/>
+                      <a:headEnd type="none" w="med" len="med"/>
+                      <a:tailEnd type="none" w="med" len="med"/>
+                    </a:lnL>
+                    <a:lnR w="12700" cap="flat" cmpd="sng" algn="ctr">
+                      <a:solidFill>
+                        <a:schemeClr val="tx1"/>
+                      </a:solidFill>
+                      <a:prstDash val="solid"/>
+                      <a:round/>
+                      <a:headEnd type="none" w="med" len="med"/>
+                      <a:tailEnd type="none" w="med" len="med"/>
+                    </a:lnR>
+                    <a:lnT w="12700" cap="flat" cmpd="sng" algn="ctr">
+                      <a:solidFill>
+                        <a:schemeClr val="tx1"/>
+                      </a:solidFill>
+                      <a:prstDash val="solid"/>
+                      <a:round/>
+                      <a:headEnd type="none" w="med" len="med"/>
+                      <a:tailEnd type="none" w="med" len="med"/>
+                    </a:lnT>
+                    <a:lnB w="12700" cap="flat" cmpd="sng" algn="ctr">
+                      <a:solidFill>
+                        <a:schemeClr val="tx1"/>
+                      </a:solidFill>
+                      <a:prstDash val="solid"/>
+                      <a:round/>
+                      <a:headEnd type="none" w="med" len="med"/>
+                      <a:tailEnd type="none" w="med" len="med"/>
+                    </a:lnB>
+                  </a:tcPr>
+                </a:tc>
+                <a:tc>
+                  <a:txBody>
+                    <a:bodyPr/>
+                    <a:lstStyle/>
+                    <a:p>
+                      <a:endParaRPr lang="ru-RU" dirty="0"/>
+                    </a:p>
+                  </a:txBody>
+                  <a:tcPr>
+                    <a:lnL w="12700" cap="flat" cmpd="sng" algn="ctr">
+                      <a:solidFill>
+                        <a:schemeClr val="tx1"/>
+                      </a:solidFill>
+                      <a:prstDash val="solid"/>
+                      <a:round/>
+                      <a:headEnd type="none" w="med" len="med"/>
+                      <a:tailEnd type="none" w="med" len="med"/>
+                    </a:lnL>
+                    <a:lnR w="12700" cap="flat" cmpd="sng" algn="ctr">
+                      <a:solidFill>
+                        <a:schemeClr val="tx1"/>
+                      </a:solidFill>
+                      <a:prstDash val="solid"/>
+                      <a:round/>
+                      <a:headEnd type="none" w="med" len="med"/>
+                      <a:tailEnd type="none" w="med" len="med"/>
+                    </a:lnR>
+                    <a:lnT w="12700" cap="flat" cmpd="sng" algn="ctr">
+                      <a:solidFill>
+                        <a:schemeClr val="tx1"/>
+                      </a:solidFill>
+                      <a:prstDash val="solid"/>
+                      <a:round/>
+                      <a:headEnd type="none" w="med" len="med"/>
+                      <a:tailEnd type="none" w="med" len="med"/>
+                    </a:lnT>
+                    <a:lnB w="12700" cap="flat" cmpd="sng" algn="ctr">
+                      <a:solidFill>
+                        <a:schemeClr val="tx1"/>
+                      </a:solidFill>
+                      <a:prstDash val="solid"/>
+                      <a:round/>
+                      <a:headEnd type="none" w="med" len="med"/>
+                      <a:tailEnd type="none" w="med" len="med"/>
+                    </a:lnB>
+                  </a:tcPr>
+                </a:tc>
+                <a:extLst>
+                  <a:ext uri="{0D108BD9-81ED-4DB2-BD59-A6C34878D82A}">
+                    <a16:rowId xmlns:a16="http://schemas.microsoft.com/office/drawing/2014/main" val="899304343"/>
+                  </a:ext>
+                </a:extLst>
+              </a:tr>
+            </a:tbl>
+          </a:graphicData>
+        </a:graphic>
+      </p:graphicFrame>
+      <p:sp>
+        <p:nvSpPr>
+          <p:cNvPr id="5" name="Блок-схема: магнитный диск 4"/>
+          <p:cNvSpPr/>
+          <p:nvPr/>
+        </p:nvSpPr>
+        <p:spPr>
+          <a:xfrm>
+            <a:off x="5334000" y="2611316"/>
+            <a:ext cx="1213338" cy="852854"/>
+          </a:xfrm>
+          <a:prstGeom prst="flowChartMagneticDisk">
+            <a:avLst/>
+          </a:prstGeom>
+        </p:spPr>
+        <p:style>
+          <a:lnRef idx="2">
+            <a:schemeClr val="accent1">
+              <a:shade val="50000"/>
+            </a:schemeClr>
+          </a:lnRef>
+          <a:fillRef idx="1">
+            <a:schemeClr val="accent1"/>
+          </a:fillRef>
+          <a:effectRef idx="0">
+            <a:schemeClr val="accent1"/>
+          </a:effectRef>
+          <a:fontRef idx="minor">
+            <a:schemeClr val="lt1"/>
+          </a:fontRef>
+        </p:style>
+        <p:txBody>
+          <a:bodyPr rtlCol="0" anchor="ctr"/>
+          <a:lstStyle/>
+          <a:p>
+            <a:pPr algn="ctr"/>
+            <a:r>
+              <a:rPr lang="ru-RU" dirty="0" smtClean="0"/>
+              <a:t>1.0.0.0</a:t>
+            </a:r>
+            <a:endParaRPr lang="ru-RU" dirty="0"/>
+          </a:p>
+        </p:txBody>
+      </p:sp>
+      <p:sp>
+        <p:nvSpPr>
+          <p:cNvPr id="6" name="Блок-схема: магнитный диск 5"/>
+          <p:cNvSpPr/>
+          <p:nvPr/>
+        </p:nvSpPr>
+        <p:spPr>
+          <a:xfrm>
+            <a:off x="8708047" y="2611316"/>
+            <a:ext cx="1213338" cy="852854"/>
+          </a:xfrm>
+          <a:prstGeom prst="flowChartMagneticDisk">
+            <a:avLst/>
+          </a:prstGeom>
+        </p:spPr>
+        <p:style>
+          <a:lnRef idx="2">
+            <a:schemeClr val="accent1">
+              <a:shade val="50000"/>
+            </a:schemeClr>
+          </a:lnRef>
+          <a:fillRef idx="1">
+            <a:schemeClr val="accent1"/>
+          </a:fillRef>
+          <a:effectRef idx="0">
+            <a:schemeClr val="accent1"/>
+          </a:effectRef>
+          <a:fontRef idx="minor">
+            <a:schemeClr val="lt1"/>
+          </a:fontRef>
+        </p:style>
+        <p:txBody>
+          <a:bodyPr rtlCol="0" anchor="ctr"/>
+          <a:lstStyle/>
+          <a:p>
+            <a:pPr algn="ctr"/>
+            <a:r>
+              <a:rPr lang="ru-RU" dirty="0" smtClean="0"/>
+              <a:t>1.0.0.1</a:t>
+            </a:r>
+            <a:endParaRPr lang="ru-RU" dirty="0"/>
+          </a:p>
+        </p:txBody>
+      </p:sp>
+      <p:sp>
+        <p:nvSpPr>
+          <p:cNvPr id="7" name="Блок-схема: магнитный диск 6"/>
+          <p:cNvSpPr/>
+          <p:nvPr/>
+        </p:nvSpPr>
+        <p:spPr>
+          <a:xfrm>
+            <a:off x="8812823" y="4882660"/>
+            <a:ext cx="1213338" cy="852854"/>
+          </a:xfrm>
+          <a:prstGeom prst="flowChartMagneticDisk">
+            <a:avLst/>
+          </a:prstGeom>
+        </p:spPr>
+        <p:style>
+          <a:lnRef idx="2">
+            <a:schemeClr val="accent1">
+              <a:shade val="50000"/>
+            </a:schemeClr>
+          </a:lnRef>
+          <a:fillRef idx="1">
+            <a:schemeClr val="accent1"/>
+          </a:fillRef>
+          <a:effectRef idx="0">
+            <a:schemeClr val="accent1"/>
+          </a:effectRef>
+          <a:fontRef idx="minor">
+            <a:schemeClr val="lt1"/>
+          </a:fontRef>
+        </p:style>
+        <p:txBody>
+          <a:bodyPr rtlCol="0" anchor="ctr"/>
+          <a:lstStyle/>
+          <a:p>
+            <a:pPr algn="ctr"/>
+            <a:r>
+              <a:rPr lang="ru-RU" dirty="0" smtClean="0"/>
+              <a:t>1.0.0.1</a:t>
+            </a:r>
+            <a:endParaRPr lang="ru-RU" dirty="0"/>
+          </a:p>
+        </p:txBody>
+      </p:sp>
+      <p:pic>
+        <p:nvPicPr>
+          <p:cNvPr id="10" name="Рисунок 9"/>
+          <p:cNvPicPr>
+            <a:picLocks noChangeAspect="1"/>
+          </p:cNvPicPr>
+          <p:nvPr/>
+        </p:nvPicPr>
+        <p:blipFill>
+          <a:blip r:embed="rId2">
+            <a:extLst>
+              <a:ext uri="{BEBA8EAE-BF5A-486C-A8C5-ECC9F3942E4B}">
+                <a14:imgProps xmlns:a14="http://schemas.microsoft.com/office/drawing/2010/main">
+                  <a14:imgLayer r:embed="rId3">
+                    <a14:imgEffect>
+                      <a14:backgroundRemoval t="10000" b="90000" l="10000" r="90000"/>
+                    </a14:imgEffect>
+                  </a14:imgLayer>
+                </a14:imgProps>
+              </a:ext>
+            </a:extLst>
+          </a:blip>
+          <a:stretch>
+            <a:fillRect/>
+          </a:stretch>
+        </p:blipFill>
+        <p:spPr>
+          <a:xfrm>
+            <a:off x="9921385" y="4656990"/>
+            <a:ext cx="421298" cy="384663"/>
+          </a:xfrm>
+          <a:prstGeom prst="rect">
+            <a:avLst/>
+          </a:prstGeom>
+        </p:spPr>
+      </p:pic>
+    </p:spTree>
+    <p:extLst>
+      <p:ext uri="{BB962C8B-B14F-4D97-AF65-F5344CB8AC3E}">
+        <p14:creationId xmlns:p14="http://schemas.microsoft.com/office/powerpoint/2010/main" val="2139707311"/>
+      </p:ext>
+    </p:extLst>
+  </p:cSld>
+  <p:clrMapOvr>
+    <a:masterClrMapping/>
+  </p:clrMapOvr>
+</p:sld>
+</file>
+
+<file path=ppt/slides/slide3.xml><?xml version="1.0" encoding="utf-8"?>
+<p:sld xmlns:a="http://schemas.openxmlformats.org/drawingml/2006/main" xmlns:r="http://schemas.openxmlformats.org/officeDocument/2006/relationships" xmlns:p="http://schemas.openxmlformats.org/presentationml/2006/main">
+  <p:cSld>
+    <p:spTree>
+      <p:nvGrpSpPr>
+        <p:cNvPr id="1" name=""/>
+        <p:cNvGrpSpPr/>
+        <p:nvPr/>
+      </p:nvGrpSpPr>
+      <p:grpSpPr>
+        <a:xfrm>
+          <a:off x="0" y="0"/>
+          <a:ext cx="0" cy="0"/>
+          <a:chOff x="0" y="0"/>
+          <a:chExt cx="0" cy="0"/>
+        </a:xfrm>
+      </p:grpSpPr>
+      <p:sp>
+        <p:nvSpPr>
+          <p:cNvPr id="2" name="Заголовок 1"/>
+          <p:cNvSpPr>
+            <a:spLocks noGrp="1"/>
+          </p:cNvSpPr>
+          <p:nvPr>
+            <p:ph type="title"/>
+          </p:nvPr>
+        </p:nvSpPr>
+        <p:spPr/>
+        <p:txBody>
+          <a:bodyPr/>
+          <a:lstStyle/>
+          <a:p>
+            <a:r>
+              <a:rPr lang="ru-RU" dirty="0"/>
+              <a:t>2</a:t>
+            </a:r>
+            <a:r>
+              <a:rPr lang="ru-RU" dirty="0" smtClean="0"/>
+              <a:t>. Создаем обновления</a:t>
+            </a:r>
+            <a:r>
+              <a:rPr lang="en-US" dirty="0" smtClean="0"/>
+              <a:t> </a:t>
+            </a:r>
+            <a:r>
+              <a:rPr lang="ru-RU" dirty="0" smtClean="0"/>
+              <a:t>к типовым конфигурациям</a:t>
+            </a:r>
+            <a:endParaRPr lang="ru-RU" dirty="0"/>
+          </a:p>
+        </p:txBody>
+      </p:sp>
+      <p:graphicFrame>
+        <p:nvGraphicFramePr>
+          <p:cNvPr id="4" name="Объект 3"/>
+          <p:cNvGraphicFramePr>
+            <a:graphicFrameLocks noGrp="1"/>
+          </p:cNvGraphicFramePr>
+          <p:nvPr>
+            <p:ph idx="1"/>
+            <p:extLst>
+              <p:ext uri="{D42A27DB-BD31-4B8C-83A1-F6EECF244321}">
+                <p14:modId xmlns:p14="http://schemas.microsoft.com/office/powerpoint/2010/main" val="2622647097"/>
               </p:ext>
             </p:extLst>
           </p:nvPr>
@@ -3438,597 +4035,6 @@
             <a:pPr algn="ctr"/>
             <a:r>
               <a:rPr lang="ru-RU" dirty="0" smtClean="0"/>
-              <a:t>1.0.0.0</a:t>
-            </a:r>
-            <a:endParaRPr lang="ru-RU" dirty="0"/>
-          </a:p>
-        </p:txBody>
-      </p:sp>
-      <p:sp>
-        <p:nvSpPr>
-          <p:cNvPr id="6" name="Блок-схема: магнитный диск 5"/>
-          <p:cNvSpPr/>
-          <p:nvPr/>
-        </p:nvSpPr>
-        <p:spPr>
-          <a:xfrm>
-            <a:off x="9097108" y="2611316"/>
-            <a:ext cx="1213338" cy="852854"/>
-          </a:xfrm>
-          <a:prstGeom prst="flowChartMagneticDisk">
-            <a:avLst/>
-          </a:prstGeom>
-        </p:spPr>
-        <p:style>
-          <a:lnRef idx="2">
-            <a:schemeClr val="accent1">
-              <a:shade val="50000"/>
-            </a:schemeClr>
-          </a:lnRef>
-          <a:fillRef idx="1">
-            <a:schemeClr val="accent1"/>
-          </a:fillRef>
-          <a:effectRef idx="0">
-            <a:schemeClr val="accent1"/>
-          </a:effectRef>
-          <a:fontRef idx="minor">
-            <a:schemeClr val="lt1"/>
-          </a:fontRef>
-        </p:style>
-        <p:txBody>
-          <a:bodyPr rtlCol="0" anchor="ctr"/>
-          <a:lstStyle/>
-          <a:p>
-            <a:pPr algn="ctr"/>
-            <a:r>
-              <a:rPr lang="ru-RU" dirty="0" smtClean="0"/>
-              <a:t>1.0.0.1</a:t>
-            </a:r>
-            <a:endParaRPr lang="ru-RU" dirty="0"/>
-          </a:p>
-        </p:txBody>
-      </p:sp>
-      <p:sp>
-        <p:nvSpPr>
-          <p:cNvPr id="7" name="Блок-схема: магнитный диск 6"/>
-          <p:cNvSpPr/>
-          <p:nvPr/>
-        </p:nvSpPr>
-        <p:spPr>
-          <a:xfrm>
-            <a:off x="9097108" y="4882662"/>
-            <a:ext cx="1213338" cy="852854"/>
-          </a:xfrm>
-          <a:prstGeom prst="flowChartMagneticDisk">
-            <a:avLst/>
-          </a:prstGeom>
-        </p:spPr>
-        <p:style>
-          <a:lnRef idx="2">
-            <a:schemeClr val="accent1">
-              <a:shade val="50000"/>
-            </a:schemeClr>
-          </a:lnRef>
-          <a:fillRef idx="1">
-            <a:schemeClr val="accent1"/>
-          </a:fillRef>
-          <a:effectRef idx="0">
-            <a:schemeClr val="accent1"/>
-          </a:effectRef>
-          <a:fontRef idx="minor">
-            <a:schemeClr val="lt1"/>
-          </a:fontRef>
-        </p:style>
-        <p:txBody>
-          <a:bodyPr rtlCol="0" anchor="ctr"/>
-          <a:lstStyle/>
-          <a:p>
-            <a:pPr algn="ctr"/>
-            <a:r>
-              <a:rPr lang="ru-RU" dirty="0" smtClean="0"/>
-              <a:t>1.0.0.1</a:t>
-            </a:r>
-            <a:endParaRPr lang="ru-RU" dirty="0"/>
-          </a:p>
-        </p:txBody>
-      </p:sp>
-      <p:pic>
-        <p:nvPicPr>
-          <p:cNvPr id="8" name="Рисунок 7"/>
-          <p:cNvPicPr>
-            <a:picLocks noChangeAspect="1"/>
-          </p:cNvPicPr>
-          <p:nvPr/>
-        </p:nvPicPr>
-        <p:blipFill>
-          <a:blip r:embed="rId2">
-            <a:extLst>
-              <a:ext uri="{BEBA8EAE-BF5A-486C-A8C5-ECC9F3942E4B}">
-                <a14:imgProps xmlns:a14="http://schemas.microsoft.com/office/drawing/2010/main">
-                  <a14:imgLayer r:embed="rId3">
-                    <a14:imgEffect>
-                      <a14:backgroundRemoval t="10000" b="90000" l="10000" r="90000"/>
-                    </a14:imgEffect>
-                  </a14:imgLayer>
-                </a14:imgProps>
-              </a:ext>
-            </a:extLst>
-          </a:blip>
-          <a:stretch>
-            <a:fillRect/>
-          </a:stretch>
-        </p:blipFill>
-        <p:spPr>
-          <a:xfrm>
-            <a:off x="10099797" y="4690330"/>
-            <a:ext cx="421298" cy="384663"/>
-          </a:xfrm>
-          <a:prstGeom prst="rect">
-            <a:avLst/>
-          </a:prstGeom>
-        </p:spPr>
-      </p:pic>
-    </p:spTree>
-    <p:extLst>
-      <p:ext uri="{BB962C8B-B14F-4D97-AF65-F5344CB8AC3E}">
-        <p14:creationId xmlns:p14="http://schemas.microsoft.com/office/powerpoint/2010/main" val="2139707311"/>
-      </p:ext>
-    </p:extLst>
-  </p:cSld>
-  <p:clrMapOvr>
-    <a:masterClrMapping/>
-  </p:clrMapOvr>
-</p:sld>
-</file>
-
-<file path=ppt/slides/slide3.xml><?xml version="1.0" encoding="utf-8"?>
-<p:sld xmlns:a="http://schemas.openxmlformats.org/drawingml/2006/main" xmlns:r="http://schemas.openxmlformats.org/officeDocument/2006/relationships" xmlns:p="http://schemas.openxmlformats.org/presentationml/2006/main">
-  <p:cSld>
-    <p:spTree>
-      <p:nvGrpSpPr>
-        <p:cNvPr id="1" name=""/>
-        <p:cNvGrpSpPr/>
-        <p:nvPr/>
-      </p:nvGrpSpPr>
-      <p:grpSpPr>
-        <a:xfrm>
-          <a:off x="0" y="0"/>
-          <a:ext cx="0" cy="0"/>
-          <a:chOff x="0" y="0"/>
-          <a:chExt cx="0" cy="0"/>
-        </a:xfrm>
-      </p:grpSpPr>
-      <p:sp>
-        <p:nvSpPr>
-          <p:cNvPr id="2" name="Заголовок 1"/>
-          <p:cNvSpPr>
-            <a:spLocks noGrp="1"/>
-          </p:cNvSpPr>
-          <p:nvPr>
-            <p:ph type="title"/>
-          </p:nvPr>
-        </p:nvSpPr>
-        <p:spPr/>
-        <p:txBody>
-          <a:bodyPr/>
-          <a:lstStyle/>
-          <a:p>
-            <a:r>
-              <a:rPr lang="ru-RU" dirty="0"/>
-              <a:t>2</a:t>
-            </a:r>
-            <a:r>
-              <a:rPr lang="ru-RU" dirty="0" smtClean="0"/>
-              <a:t>. Создаем обновления</a:t>
-            </a:r>
-            <a:r>
-              <a:rPr lang="en-US" dirty="0" smtClean="0"/>
-              <a:t> </a:t>
-            </a:r>
-            <a:r>
-              <a:rPr lang="ru-RU" dirty="0" smtClean="0"/>
-              <a:t>к типовым конфигурациям</a:t>
-            </a:r>
-            <a:endParaRPr lang="ru-RU" dirty="0"/>
-          </a:p>
-        </p:txBody>
-      </p:sp>
-      <p:graphicFrame>
-        <p:nvGraphicFramePr>
-          <p:cNvPr id="4" name="Объект 3"/>
-          <p:cNvGraphicFramePr>
-            <a:graphicFrameLocks noGrp="1"/>
-          </p:cNvGraphicFramePr>
-          <p:nvPr>
-            <p:ph idx="1"/>
-            <p:extLst>
-              <p:ext uri="{D42A27DB-BD31-4B8C-83A1-F6EECF244321}">
-                <p14:modId xmlns:p14="http://schemas.microsoft.com/office/powerpoint/2010/main" val="2622647097"/>
-              </p:ext>
-            </p:extLst>
-          </p:nvPr>
-        </p:nvGraphicFramePr>
-        <p:xfrm>
-          <a:off x="838200" y="1825623"/>
-          <a:ext cx="10515600" cy="4636722"/>
-        </p:xfrm>
-        <a:graphic>
-          <a:graphicData uri="http://schemas.openxmlformats.org/drawingml/2006/table">
-            <a:tbl>
-              <a:tblPr firstRow="1" bandRow="1">
-                <a:tableStyleId>{2D5ABB26-0587-4C30-8999-92F81FD0307C}</a:tableStyleId>
-              </a:tblPr>
-              <a:tblGrid>
-                <a:gridCol w="3505200">
-                  <a:extLst>
-                    <a:ext uri="{9D8B030D-6E8A-4147-A177-3AD203B41FA5}">
-                      <a16:colId xmlns:a16="http://schemas.microsoft.com/office/drawing/2014/main" val="1937177080"/>
-                    </a:ext>
-                  </a:extLst>
-                </a:gridCol>
-                <a:gridCol w="3505200">
-                  <a:extLst>
-                    <a:ext uri="{9D8B030D-6E8A-4147-A177-3AD203B41FA5}">
-                      <a16:colId xmlns:a16="http://schemas.microsoft.com/office/drawing/2014/main" val="621458388"/>
-                    </a:ext>
-                  </a:extLst>
-                </a:gridCol>
-                <a:gridCol w="3505200">
-                  <a:extLst>
-                    <a:ext uri="{9D8B030D-6E8A-4147-A177-3AD203B41FA5}">
-                      <a16:colId xmlns:a16="http://schemas.microsoft.com/office/drawing/2014/main" val="3208544658"/>
-                    </a:ext>
-                  </a:extLst>
-                </a:gridCol>
-              </a:tblGrid>
-              <a:tr h="2318361">
-                <a:tc>
-                  <a:txBody>
-                    <a:bodyPr/>
-                    <a:lstStyle/>
-                    <a:p>
-                      <a:pPr algn="ctr"/>
-                      <a:r>
-                        <a:rPr lang="ru-RU" dirty="0" smtClean="0"/>
-                        <a:t>Среда разработки</a:t>
-                      </a:r>
-                      <a:endParaRPr lang="ru-RU" dirty="0"/>
-                    </a:p>
-                  </a:txBody>
-                  <a:tcPr anchor="ctr">
-                    <a:lnL w="12700" cap="flat" cmpd="sng" algn="ctr">
-                      <a:solidFill>
-                        <a:schemeClr val="tx1"/>
-                      </a:solidFill>
-                      <a:prstDash val="solid"/>
-                      <a:round/>
-                      <a:headEnd type="none" w="med" len="med"/>
-                      <a:tailEnd type="none" w="med" len="med"/>
-                    </a:lnL>
-                    <a:lnR w="12700" cap="flat" cmpd="sng" algn="ctr">
-                      <a:solidFill>
-                        <a:schemeClr val="tx1"/>
-                      </a:solidFill>
-                      <a:prstDash val="solid"/>
-                      <a:round/>
-                      <a:headEnd type="none" w="med" len="med"/>
-                      <a:tailEnd type="none" w="med" len="med"/>
-                    </a:lnR>
-                    <a:lnT w="12700" cap="flat" cmpd="sng" algn="ctr">
-                      <a:solidFill>
-                        <a:schemeClr val="tx1"/>
-                      </a:solidFill>
-                      <a:prstDash val="solid"/>
-                      <a:round/>
-                      <a:headEnd type="none" w="med" len="med"/>
-                      <a:tailEnd type="none" w="med" len="med"/>
-                    </a:lnT>
-                    <a:lnB w="12700" cap="flat" cmpd="sng" algn="ctr">
-                      <a:solidFill>
-                        <a:schemeClr val="tx1"/>
-                      </a:solidFill>
-                      <a:prstDash val="solid"/>
-                      <a:round/>
-                      <a:headEnd type="none" w="med" len="med"/>
-                      <a:tailEnd type="none" w="med" len="med"/>
-                    </a:lnB>
-                  </a:tcPr>
-                </a:tc>
-                <a:tc>
-                  <a:txBody>
-                    <a:bodyPr/>
-                    <a:lstStyle/>
-                    <a:p>
-                      <a:endParaRPr lang="ru-RU" dirty="0"/>
-                    </a:p>
-                  </a:txBody>
-                  <a:tcPr>
-                    <a:lnL w="12700" cap="flat" cmpd="sng" algn="ctr">
-                      <a:solidFill>
-                        <a:schemeClr val="tx1"/>
-                      </a:solidFill>
-                      <a:prstDash val="solid"/>
-                      <a:round/>
-                      <a:headEnd type="none" w="med" len="med"/>
-                      <a:tailEnd type="none" w="med" len="med"/>
-                    </a:lnL>
-                    <a:lnR w="12700" cap="flat" cmpd="sng" algn="ctr">
-                      <a:solidFill>
-                        <a:schemeClr val="tx1"/>
-                      </a:solidFill>
-                      <a:prstDash val="solid"/>
-                      <a:round/>
-                      <a:headEnd type="none" w="med" len="med"/>
-                      <a:tailEnd type="none" w="med" len="med"/>
-                    </a:lnR>
-                    <a:lnT w="12700" cap="flat" cmpd="sng" algn="ctr">
-                      <a:solidFill>
-                        <a:schemeClr val="tx1"/>
-                      </a:solidFill>
-                      <a:prstDash val="solid"/>
-                      <a:round/>
-                      <a:headEnd type="none" w="med" len="med"/>
-                      <a:tailEnd type="none" w="med" len="med"/>
-                    </a:lnT>
-                    <a:lnB w="12700" cap="flat" cmpd="sng" algn="ctr">
-                      <a:solidFill>
-                        <a:schemeClr val="tx1"/>
-                      </a:solidFill>
-                      <a:prstDash val="solid"/>
-                      <a:round/>
-                      <a:headEnd type="none" w="med" len="med"/>
-                      <a:tailEnd type="none" w="med" len="med"/>
-                    </a:lnB>
-                  </a:tcPr>
-                </a:tc>
-                <a:tc>
-                  <a:txBody>
-                    <a:bodyPr/>
-                    <a:lstStyle/>
-                    <a:p>
-                      <a:endParaRPr lang="ru-RU" dirty="0"/>
-                    </a:p>
-                  </a:txBody>
-                  <a:tcPr>
-                    <a:lnL w="12700" cap="flat" cmpd="sng" algn="ctr">
-                      <a:solidFill>
-                        <a:schemeClr val="tx1"/>
-                      </a:solidFill>
-                      <a:prstDash val="solid"/>
-                      <a:round/>
-                      <a:headEnd type="none" w="med" len="med"/>
-                      <a:tailEnd type="none" w="med" len="med"/>
-                    </a:lnL>
-                    <a:lnR w="12700" cap="flat" cmpd="sng" algn="ctr">
-                      <a:solidFill>
-                        <a:schemeClr val="tx1"/>
-                      </a:solidFill>
-                      <a:prstDash val="solid"/>
-                      <a:round/>
-                      <a:headEnd type="none" w="med" len="med"/>
-                      <a:tailEnd type="none" w="med" len="med"/>
-                    </a:lnR>
-                    <a:lnT w="12700" cap="flat" cmpd="sng" algn="ctr">
-                      <a:solidFill>
-                        <a:schemeClr val="tx1"/>
-                      </a:solidFill>
-                      <a:prstDash val="solid"/>
-                      <a:round/>
-                      <a:headEnd type="none" w="med" len="med"/>
-                      <a:tailEnd type="none" w="med" len="med"/>
-                    </a:lnT>
-                    <a:lnB w="12700" cap="flat" cmpd="sng" algn="ctr">
-                      <a:solidFill>
-                        <a:schemeClr val="tx1"/>
-                      </a:solidFill>
-                      <a:prstDash val="solid"/>
-                      <a:round/>
-                      <a:headEnd type="none" w="med" len="med"/>
-                      <a:tailEnd type="none" w="med" len="med"/>
-                    </a:lnB>
-                  </a:tcPr>
-                </a:tc>
-                <a:extLst>
-                  <a:ext uri="{0D108BD9-81ED-4DB2-BD59-A6C34878D82A}">
-                    <a16:rowId xmlns:a16="http://schemas.microsoft.com/office/drawing/2014/main" val="347102113"/>
-                  </a:ext>
-                </a:extLst>
-              </a:tr>
-              <a:tr h="2318361">
-                <a:tc>
-                  <a:txBody>
-                    <a:bodyPr/>
-                    <a:lstStyle/>
-                    <a:p>
-                      <a:pPr algn="ctr"/>
-                      <a:r>
-                        <a:rPr lang="ru-RU" dirty="0" smtClean="0"/>
-                        <a:t>Среда пользователя</a:t>
-                      </a:r>
-                      <a:endParaRPr lang="ru-RU" dirty="0"/>
-                    </a:p>
-                  </a:txBody>
-                  <a:tcPr anchor="ctr">
-                    <a:lnL w="12700" cap="flat" cmpd="sng" algn="ctr">
-                      <a:solidFill>
-                        <a:schemeClr val="tx1"/>
-                      </a:solidFill>
-                      <a:prstDash val="solid"/>
-                      <a:round/>
-                      <a:headEnd type="none" w="med" len="med"/>
-                      <a:tailEnd type="none" w="med" len="med"/>
-                    </a:lnL>
-                    <a:lnR w="12700" cap="flat" cmpd="sng" algn="ctr">
-                      <a:solidFill>
-                        <a:schemeClr val="tx1"/>
-                      </a:solidFill>
-                      <a:prstDash val="solid"/>
-                      <a:round/>
-                      <a:headEnd type="none" w="med" len="med"/>
-                      <a:tailEnd type="none" w="med" len="med"/>
-                    </a:lnR>
-                    <a:lnT w="12700" cap="flat" cmpd="sng" algn="ctr">
-                      <a:solidFill>
-                        <a:schemeClr val="tx1"/>
-                      </a:solidFill>
-                      <a:prstDash val="solid"/>
-                      <a:round/>
-                      <a:headEnd type="none" w="med" len="med"/>
-                      <a:tailEnd type="none" w="med" len="med"/>
-                    </a:lnT>
-                    <a:lnB w="12700" cap="flat" cmpd="sng" algn="ctr">
-                      <a:solidFill>
-                        <a:schemeClr val="tx1"/>
-                      </a:solidFill>
-                      <a:prstDash val="solid"/>
-                      <a:round/>
-                      <a:headEnd type="none" w="med" len="med"/>
-                      <a:tailEnd type="none" w="med" len="med"/>
-                    </a:lnB>
-                  </a:tcPr>
-                </a:tc>
-                <a:tc>
-                  <a:txBody>
-                    <a:bodyPr/>
-                    <a:lstStyle/>
-                    <a:p>
-                      <a:endParaRPr lang="ru-RU" dirty="0"/>
-                    </a:p>
-                  </a:txBody>
-                  <a:tcPr>
-                    <a:lnL w="12700" cap="flat" cmpd="sng" algn="ctr">
-                      <a:solidFill>
-                        <a:schemeClr val="tx1"/>
-                      </a:solidFill>
-                      <a:prstDash val="solid"/>
-                      <a:round/>
-                      <a:headEnd type="none" w="med" len="med"/>
-                      <a:tailEnd type="none" w="med" len="med"/>
-                    </a:lnL>
-                    <a:lnR w="12700" cap="flat" cmpd="sng" algn="ctr">
-                      <a:solidFill>
-                        <a:schemeClr val="tx1"/>
-                      </a:solidFill>
-                      <a:prstDash val="solid"/>
-                      <a:round/>
-                      <a:headEnd type="none" w="med" len="med"/>
-                      <a:tailEnd type="none" w="med" len="med"/>
-                    </a:lnR>
-                    <a:lnT w="12700" cap="flat" cmpd="sng" algn="ctr">
-                      <a:solidFill>
-                        <a:schemeClr val="tx1"/>
-                      </a:solidFill>
-                      <a:prstDash val="solid"/>
-                      <a:round/>
-                      <a:headEnd type="none" w="med" len="med"/>
-                      <a:tailEnd type="none" w="med" len="med"/>
-                    </a:lnT>
-                    <a:lnB w="12700" cap="flat" cmpd="sng" algn="ctr">
-                      <a:solidFill>
-                        <a:schemeClr val="tx1"/>
-                      </a:solidFill>
-                      <a:prstDash val="solid"/>
-                      <a:round/>
-                      <a:headEnd type="none" w="med" len="med"/>
-                      <a:tailEnd type="none" w="med" len="med"/>
-                    </a:lnB>
-                  </a:tcPr>
-                </a:tc>
-                <a:tc>
-                  <a:txBody>
-                    <a:bodyPr/>
-                    <a:lstStyle/>
-                    <a:p>
-                      <a:endParaRPr lang="ru-RU" dirty="0"/>
-                    </a:p>
-                  </a:txBody>
-                  <a:tcPr>
-                    <a:lnL w="12700" cap="flat" cmpd="sng" algn="ctr">
-                      <a:solidFill>
-                        <a:schemeClr val="tx1"/>
-                      </a:solidFill>
-                      <a:prstDash val="solid"/>
-                      <a:round/>
-                      <a:headEnd type="none" w="med" len="med"/>
-                      <a:tailEnd type="none" w="med" len="med"/>
-                    </a:lnL>
-                    <a:lnR w="12700" cap="flat" cmpd="sng" algn="ctr">
-                      <a:solidFill>
-                        <a:schemeClr val="tx1"/>
-                      </a:solidFill>
-                      <a:prstDash val="solid"/>
-                      <a:round/>
-                      <a:headEnd type="none" w="med" len="med"/>
-                      <a:tailEnd type="none" w="med" len="med"/>
-                    </a:lnR>
-                    <a:lnT w="12700" cap="flat" cmpd="sng" algn="ctr">
-                      <a:solidFill>
-                        <a:schemeClr val="tx1"/>
-                      </a:solidFill>
-                      <a:prstDash val="solid"/>
-                      <a:round/>
-                      <a:headEnd type="none" w="med" len="med"/>
-                      <a:tailEnd type="none" w="med" len="med"/>
-                    </a:lnT>
-                    <a:lnB w="12700" cap="flat" cmpd="sng" algn="ctr">
-                      <a:solidFill>
-                        <a:schemeClr val="tx1"/>
-                      </a:solidFill>
-                      <a:prstDash val="solid"/>
-                      <a:round/>
-                      <a:headEnd type="none" w="med" len="med"/>
-                      <a:tailEnd type="none" w="med" len="med"/>
-                    </a:lnB>
-                  </a:tcPr>
-                </a:tc>
-                <a:extLst>
-                  <a:ext uri="{0D108BD9-81ED-4DB2-BD59-A6C34878D82A}">
-                    <a16:rowId xmlns:a16="http://schemas.microsoft.com/office/drawing/2014/main" val="899304343"/>
-                  </a:ext>
-                </a:extLst>
-              </a:tr>
-            </a:tbl>
-          </a:graphicData>
-        </a:graphic>
-      </p:graphicFrame>
-      <p:sp>
-        <p:nvSpPr>
-          <p:cNvPr id="5" name="Блок-схема: магнитный диск 4"/>
-          <p:cNvSpPr/>
-          <p:nvPr/>
-        </p:nvSpPr>
-        <p:spPr>
-          <a:xfrm>
-            <a:off x="5489331" y="2611316"/>
-            <a:ext cx="1213338" cy="852854"/>
-          </a:xfrm>
-          <a:prstGeom prst="flowChartMagneticDisk">
-            <a:avLst/>
-          </a:prstGeom>
-        </p:spPr>
-        <p:style>
-          <a:lnRef idx="2">
-            <a:schemeClr val="accent1">
-              <a:shade val="50000"/>
-            </a:schemeClr>
-          </a:lnRef>
-          <a:fillRef idx="1">
-            <a:schemeClr val="accent1"/>
-          </a:fillRef>
-          <a:effectRef idx="0">
-            <a:schemeClr val="accent1"/>
-          </a:effectRef>
-          <a:fontRef idx="minor">
-            <a:schemeClr val="lt1"/>
-          </a:fontRef>
-        </p:style>
-        <p:txBody>
-          <a:bodyPr rtlCol="0" anchor="ctr"/>
-          <a:lstStyle/>
-          <a:p>
-            <a:pPr algn="ctr"/>
-            <a:r>
-              <a:rPr lang="ru-RU" dirty="0" smtClean="0"/>
               <a:t>3.0.59.54 (</a:t>
             </a:r>
             <a:r>
@@ -4345,6 +4351,90 @@
     <p:extLst>
       <p:ext uri="{BB962C8B-B14F-4D97-AF65-F5344CB8AC3E}">
         <p14:creationId xmlns:p14="http://schemas.microsoft.com/office/powerpoint/2010/main" val="1673370910"/>
+      </p:ext>
+    </p:extLst>
+  </p:cSld>
+  <p:clrMapOvr>
+    <a:masterClrMapping/>
+  </p:clrMapOvr>
+</p:sld>
+</file>
+
+<file path=ppt/slides/slide4.xml><?xml version="1.0" encoding="utf-8"?>
+<p:sld xmlns:a="http://schemas.openxmlformats.org/drawingml/2006/main" xmlns:r="http://schemas.openxmlformats.org/officeDocument/2006/relationships" xmlns:p="http://schemas.openxmlformats.org/presentationml/2006/main">
+  <p:cSld>
+    <p:spTree>
+      <p:nvGrpSpPr>
+        <p:cNvPr id="1" name=""/>
+        <p:cNvGrpSpPr/>
+        <p:nvPr/>
+      </p:nvGrpSpPr>
+      <p:grpSpPr>
+        <a:xfrm>
+          <a:off x="0" y="0"/>
+          <a:ext cx="0" cy="0"/>
+          <a:chOff x="0" y="0"/>
+          <a:chExt cx="0" cy="0"/>
+        </a:xfrm>
+      </p:grpSpPr>
+      <p:sp>
+        <p:nvSpPr>
+          <p:cNvPr id="2" name="Заголовок 1"/>
+          <p:cNvSpPr>
+            <a:spLocks noGrp="1"/>
+          </p:cNvSpPr>
+          <p:nvPr>
+            <p:ph type="title"/>
+          </p:nvPr>
+        </p:nvSpPr>
+        <p:spPr/>
+        <p:txBody>
+          <a:bodyPr/>
+          <a:lstStyle/>
+          <a:p>
+            <a:r>
+              <a:rPr lang="ru-RU" dirty="0" smtClean="0"/>
+              <a:t>Последовательность передачи обновлений при доработке типового решения</a:t>
+            </a:r>
+            <a:endParaRPr lang="ru-RU" dirty="0"/>
+          </a:p>
+        </p:txBody>
+      </p:sp>
+      <p:pic>
+        <p:nvPicPr>
+          <p:cNvPr id="4" name="Объект 3"/>
+          <p:cNvPicPr>
+            <a:picLocks noGrp="1"/>
+          </p:cNvPicPr>
+          <p:nvPr>
+            <p:ph idx="1"/>
+          </p:nvPr>
+        </p:nvPicPr>
+        <p:blipFill>
+          <a:blip r:embed="rId2"/>
+          <a:stretch>
+            <a:fillRect/>
+          </a:stretch>
+        </p:blipFill>
+        <p:spPr>
+          <a:xfrm>
+            <a:off x="2390775" y="1977231"/>
+            <a:ext cx="7410450" cy="4048125"/>
+          </a:xfrm>
+          <a:prstGeom prst="rect">
+            <a:avLst/>
+          </a:prstGeom>
+          <a:ln>
+            <a:solidFill>
+              <a:schemeClr val="tx1"/>
+            </a:solidFill>
+          </a:ln>
+        </p:spPr>
+      </p:pic>
+    </p:spTree>
+    <p:extLst>
+      <p:ext uri="{BB962C8B-B14F-4D97-AF65-F5344CB8AC3E}">
+        <p14:creationId xmlns:p14="http://schemas.microsoft.com/office/powerpoint/2010/main" val="338931898"/>
       </p:ext>
     </p:extLst>
   </p:cSld>

--- a/Сосотояния баз.pptx
+++ b/Сосотояния баз.pptx
@@ -5,10 +5,9 @@
     <p:sldMasterId id="2147483648" r:id="rId1"/>
   </p:sldMasterIdLst>
   <p:sldIdLst>
-    <p:sldId id="256" r:id="rId2"/>
-    <p:sldId id="257" r:id="rId3"/>
-    <p:sldId id="258" r:id="rId4"/>
-    <p:sldId id="259" r:id="rId5"/>
+    <p:sldId id="257" r:id="rId2"/>
+    <p:sldId id="258" r:id="rId3"/>
+    <p:sldId id="259" r:id="rId4"/>
   </p:sldIdLst>
   <p:sldSz cx="12192000" cy="6858000"/>
   <p:notesSz cx="6858000" cy="9144000"/>
@@ -2979,59 +2978,6 @@
             <a:spLocks noGrp="1"/>
           </p:cNvSpPr>
           <p:nvPr>
-            <p:ph type="ctrTitle"/>
-          </p:nvPr>
-        </p:nvSpPr>
-        <p:spPr/>
-        <p:txBody>
-          <a:bodyPr/>
-          <a:lstStyle/>
-          <a:p>
-            <a:r>
-              <a:rPr lang="ru-RU" dirty="0" smtClean="0"/>
-              <a:t>Создание обновлений </a:t>
-            </a:r>
-            <a:endParaRPr lang="ru-RU" dirty="0"/>
-          </a:p>
-        </p:txBody>
-      </p:sp>
-    </p:spTree>
-    <p:extLst>
-      <p:ext uri="{BB962C8B-B14F-4D97-AF65-F5344CB8AC3E}">
-        <p14:creationId xmlns:p14="http://schemas.microsoft.com/office/powerpoint/2010/main" val="4167666438"/>
-      </p:ext>
-    </p:extLst>
-  </p:cSld>
-  <p:clrMapOvr>
-    <a:masterClrMapping/>
-  </p:clrMapOvr>
-</p:sld>
-</file>
-
-<file path=ppt/slides/slide2.xml><?xml version="1.0" encoding="utf-8"?>
-<p:sld xmlns:a="http://schemas.openxmlformats.org/drawingml/2006/main" xmlns:r="http://schemas.openxmlformats.org/officeDocument/2006/relationships" xmlns:p="http://schemas.openxmlformats.org/presentationml/2006/main">
-  <p:cSld>
-    <p:spTree>
-      <p:nvGrpSpPr>
-        <p:cNvPr id="1" name=""/>
-        <p:cNvGrpSpPr/>
-        <p:nvPr/>
-      </p:nvGrpSpPr>
-      <p:grpSpPr>
-        <a:xfrm>
-          <a:off x="0" y="0"/>
-          <a:ext cx="0" cy="0"/>
-          <a:chOff x="0" y="0"/>
-          <a:chExt cx="0" cy="0"/>
-        </a:xfrm>
-      </p:grpSpPr>
-      <p:sp>
-        <p:nvSpPr>
-          <p:cNvPr id="2" name="Заголовок 1"/>
-          <p:cNvSpPr>
-            <a:spLocks noGrp="1"/>
-          </p:cNvSpPr>
-          <p:nvPr>
             <p:ph type="title"/>
           </p:nvPr>
         </p:nvSpPr>
@@ -3587,7 +3533,7 @@
 </p:sld>
 </file>
 
-<file path=ppt/slides/slide3.xml><?xml version="1.0" encoding="utf-8"?>
+<file path=ppt/slides/slide2.xml><?xml version="1.0" encoding="utf-8"?>
 <p:sld xmlns:a="http://schemas.openxmlformats.org/drawingml/2006/main" xmlns:r="http://schemas.openxmlformats.org/officeDocument/2006/relationships" xmlns:p="http://schemas.openxmlformats.org/presentationml/2006/main">
   <p:cSld>
     <p:spTree>
@@ -4360,7 +4306,7 @@
 </p:sld>
 </file>
 
-<file path=ppt/slides/slide4.xml><?xml version="1.0" encoding="utf-8"?>
+<file path=ppt/slides/slide3.xml><?xml version="1.0" encoding="utf-8"?>
 <p:sld xmlns:a="http://schemas.openxmlformats.org/drawingml/2006/main" xmlns:r="http://schemas.openxmlformats.org/officeDocument/2006/relationships" xmlns:p="http://schemas.openxmlformats.org/presentationml/2006/main">
   <p:cSld>
     <p:spTree>
